--- a/Product_Review.pptx
+++ b/Product_Review.pptx
@@ -240,7 +240,7 @@
           <a:p>
             <a:fld id="{A9846A32-BF80-4EEB-9349-9686B10A492B}" type="datetimeFigureOut">
               <a:rPr lang="en-US" smtClean="0"/>
-              <a:t>9/7/2019</a:t>
+              <a:t>9/10/2019</a:t>
             </a:fld>
             <a:endParaRPr lang="en-US" dirty="0"/>
           </a:p>
@@ -417,7 +417,7 @@
           <a:p>
             <a:fld id="{F9CA9E41-F7BA-42D1-923E-C3B58F2FDEC1}" type="datetimeFigureOut">
               <a:rPr lang="en-US" noProof="0" smtClean="0"/>
-              <a:t>9/7/2019</a:t>
+              <a:t>9/10/2019</a:t>
             </a:fld>
             <a:endParaRPr lang="en-US" noProof="0" dirty="0"/>
           </a:p>
@@ -976,7 +976,7 @@
           <a:p>
             <a:fld id="{09DA4596-3085-4BB2-8F53-0564AA69708A}" type="datetime1">
               <a:rPr lang="en-US" noProof="0" smtClean="0"/>
-              <a:t>9/7/2019</a:t>
+              <a:t>9/10/2019</a:t>
             </a:fld>
             <a:endParaRPr lang="en-US" noProof="0" dirty="0"/>
           </a:p>
@@ -2111,7 +2111,7 @@
           <a:p>
             <a:fld id="{011F8E8F-7A79-47A4-A23F-F3FD3E2A15F3}" type="datetime1">
               <a:rPr lang="en-US" noProof="0" smtClean="0"/>
-              <a:t>9/7/2019</a:t>
+              <a:t>9/10/2019</a:t>
             </a:fld>
             <a:endParaRPr lang="en-US" noProof="0" dirty="0"/>
           </a:p>
@@ -2828,7 +2828,7 @@
           <a:p>
             <a:fld id="{011F8E8F-7A79-47A4-A23F-F3FD3E2A15F3}" type="datetime1">
               <a:rPr lang="en-US" noProof="0" smtClean="0"/>
-              <a:t>9/7/2019</a:t>
+              <a:t>9/10/2019</a:t>
             </a:fld>
             <a:endParaRPr lang="en-US" noProof="0" dirty="0"/>
           </a:p>
@@ -3847,7 +3847,7 @@
           <a:p>
             <a:fld id="{011F8E8F-7A79-47A4-A23F-F3FD3E2A15F3}" type="datetime1">
               <a:rPr lang="en-US" noProof="0" smtClean="0"/>
-              <a:t>9/7/2019</a:t>
+              <a:t>9/10/2019</a:t>
             </a:fld>
             <a:endParaRPr lang="en-US" noProof="0" dirty="0"/>
           </a:p>
@@ -4860,7 +4860,7 @@
           <a:p>
             <a:fld id="{011F8E8F-7A79-47A4-A23F-F3FD3E2A15F3}" type="datetime1">
               <a:rPr lang="en-US" noProof="0" smtClean="0"/>
-              <a:t>9/7/2019</a:t>
+              <a:t>9/10/2019</a:t>
             </a:fld>
             <a:endParaRPr lang="en-US" noProof="0" dirty="0"/>
           </a:p>
@@ -5508,7 +5508,7 @@
           <a:p>
             <a:fld id="{011F8E8F-7A79-47A4-A23F-F3FD3E2A15F3}" type="datetime1">
               <a:rPr lang="en-US" noProof="0" smtClean="0"/>
-              <a:t>9/7/2019</a:t>
+              <a:t>9/10/2019</a:t>
             </a:fld>
             <a:endParaRPr lang="en-US" noProof="0" dirty="0"/>
           </a:p>
@@ -7558,7 +7558,7 @@
           <a:p>
             <a:fld id="{011F8E8F-7A79-47A4-A23F-F3FD3E2A15F3}" type="datetime1">
               <a:rPr lang="en-US" noProof="0" smtClean="0"/>
-              <a:t>9/7/2019</a:t>
+              <a:t>9/10/2019</a:t>
             </a:fld>
             <a:endParaRPr lang="en-US" noProof="0" dirty="0"/>
           </a:p>
@@ -8115,7 +8115,7 @@
           <a:p>
             <a:fld id="{011F8E8F-7A79-47A4-A23F-F3FD3E2A15F3}" type="datetime1">
               <a:rPr lang="en-US" noProof="0" smtClean="0"/>
-              <a:t>9/7/2019</a:t>
+              <a:t>9/10/2019</a:t>
             </a:fld>
             <a:endParaRPr lang="en-US" noProof="0" dirty="0"/>
           </a:p>
@@ -8966,7 +8966,7 @@
           <a:p>
             <a:fld id="{011F8E8F-7A79-47A4-A23F-F3FD3E2A15F3}" type="datetime1">
               <a:rPr lang="en-US" noProof="0" smtClean="0"/>
-              <a:t>9/7/2019</a:t>
+              <a:t>9/10/2019</a:t>
             </a:fld>
             <a:endParaRPr lang="en-US" noProof="0" dirty="0"/>
           </a:p>
@@ -10436,7 +10436,7 @@
           <a:p>
             <a:fld id="{011F8E8F-7A79-47A4-A23F-F3FD3E2A15F3}" type="datetime1">
               <a:rPr lang="en-US" noProof="0" smtClean="0"/>
-              <a:t>9/7/2019</a:t>
+              <a:t>9/10/2019</a:t>
             </a:fld>
             <a:endParaRPr lang="en-US" noProof="0" dirty="0"/>
           </a:p>
@@ -12461,7 +12461,7 @@
           <a:p>
             <a:fld id="{BC23DBD1-F259-4AEB-A7D9-D728D6E04490}" type="datetime1">
               <a:rPr lang="en-US" noProof="0" smtClean="0"/>
-              <a:t>9/7/2019</a:t>
+              <a:t>9/10/2019</a:t>
             </a:fld>
             <a:endParaRPr lang="en-US" noProof="0" dirty="0"/>
           </a:p>
@@ -13656,7 +13656,7 @@
           <a:p>
             <a:fld id="{011F8E8F-7A79-47A4-A23F-F3FD3E2A15F3}" type="datetime1">
               <a:rPr lang="en-US" noProof="0" smtClean="0"/>
-              <a:t>9/7/2019</a:t>
+              <a:t>9/10/2019</a:t>
             </a:fld>
             <a:endParaRPr lang="en-US" noProof="0" dirty="0"/>
           </a:p>
@@ -14609,7 +14609,7 @@
           <a:p>
             <a:fld id="{BC23DBD1-F259-4AEB-A7D9-D728D6E04490}" type="datetime1">
               <a:rPr lang="en-US" noProof="0" smtClean="0"/>
-              <a:t>9/7/2019</a:t>
+              <a:t>9/10/2019</a:t>
             </a:fld>
             <a:endParaRPr lang="en-US" noProof="0" dirty="0"/>
           </a:p>
@@ -15186,7 +15186,7 @@
           <a:p>
             <a:fld id="{D8FBFFEB-7D66-4958-8CB8-D2B18C6A5A9B}" type="datetime1">
               <a:rPr lang="en-US" noProof="0" smtClean="0"/>
-              <a:t>9/7/2019</a:t>
+              <a:t>9/10/2019</a:t>
             </a:fld>
             <a:endParaRPr lang="en-US" noProof="0" dirty="0"/>
           </a:p>
@@ -16324,7 +16324,7 @@
           <a:p>
             <a:fld id="{011F8E8F-7A79-47A4-A23F-F3FD3E2A15F3}" type="datetime1">
               <a:rPr lang="en-US" noProof="0" smtClean="0"/>
-              <a:t>9/7/2019</a:t>
+              <a:t>9/10/2019</a:t>
             </a:fld>
             <a:endParaRPr lang="en-US" noProof="0" dirty="0"/>
           </a:p>
@@ -16479,7 +16479,7 @@
           <a:p>
             <a:fld id="{011F8E8F-7A79-47A4-A23F-F3FD3E2A15F3}" type="datetime1">
               <a:rPr lang="en-US" noProof="0" smtClean="0"/>
-              <a:t>9/7/2019</a:t>
+              <a:t>9/10/2019</a:t>
             </a:fld>
             <a:endParaRPr lang="en-US" noProof="0" dirty="0"/>
           </a:p>
@@ -16942,7 +16942,7 @@
           <a:p>
             <a:fld id="{011F8E8F-7A79-47A4-A23F-F3FD3E2A15F3}" type="datetime1">
               <a:rPr lang="en-US" noProof="0" smtClean="0"/>
-              <a:t>9/7/2019</a:t>
+              <a:t>9/10/2019</a:t>
             </a:fld>
             <a:endParaRPr lang="en-US" noProof="0" dirty="0"/>
           </a:p>
@@ -17563,7 +17563,7 @@
           <a:p>
             <a:fld id="{78B1225C-A326-43F6-99D9-A073D5261568}" type="datetime1">
               <a:rPr lang="en-US" noProof="0" smtClean="0"/>
-              <a:t>9/7/2019</a:t>
+              <a:t>9/10/2019</a:t>
             </a:fld>
             <a:endParaRPr lang="en-US" noProof="0" dirty="0"/>
           </a:p>
@@ -17896,7 +17896,7 @@
           <a:p>
             <a:fld id="{78B1225C-A326-43F6-99D9-A073D5261568}" type="datetime1">
               <a:rPr lang="en-US" noProof="0" smtClean="0"/>
-              <a:t>9/7/2019</a:t>
+              <a:t>9/10/2019</a:t>
             </a:fld>
             <a:endParaRPr lang="en-US" noProof="0" dirty="0"/>
           </a:p>
@@ -18075,7 +18075,7 @@
           <a:p>
             <a:fld id="{BC23DBD1-F259-4AEB-A7D9-D728D6E04490}" type="datetime1">
               <a:rPr lang="en-US" noProof="0" smtClean="0"/>
-              <a:t>9/7/2019</a:t>
+              <a:t>9/10/2019</a:t>
             </a:fld>
             <a:endParaRPr lang="en-US" noProof="0" dirty="0"/>
           </a:p>
@@ -18373,7 +18373,7 @@
           <a:p>
             <a:fld id="{BC23DBD1-F259-4AEB-A7D9-D728D6E04490}" type="datetime1">
               <a:rPr lang="en-US" noProof="0" smtClean="0"/>
-              <a:t>9/7/2019</a:t>
+              <a:t>9/10/2019</a:t>
             </a:fld>
             <a:endParaRPr lang="en-US" noProof="0" dirty="0"/>
           </a:p>
@@ -18593,7 +18593,7 @@
           <a:p>
             <a:fld id="{3BDA9C29-DD8E-4518-B4D3-44806885A5F9}" type="datetime1">
               <a:rPr lang="en-US" noProof="0" smtClean="0"/>
-              <a:t>9/7/2019</a:t>
+              <a:t>9/10/2019</a:t>
             </a:fld>
             <a:endParaRPr lang="en-US" noProof="0" dirty="0"/>
           </a:p>
@@ -20450,7 +20450,7 @@
           <a:p>
             <a:fld id="{BC23DBD1-F259-4AEB-A7D9-D728D6E04490}" type="datetime1">
               <a:rPr lang="en-US" noProof="0" smtClean="0"/>
-              <a:t>9/7/2019</a:t>
+              <a:t>9/10/2019</a:t>
             </a:fld>
             <a:endParaRPr lang="en-US" noProof="0" dirty="0"/>
           </a:p>
@@ -20803,7 +20803,7 @@
           <a:p>
             <a:fld id="{23D0A551-48C9-48F6-BF4E-DE641842128B}" type="datetime1">
               <a:rPr lang="en-US" noProof="0" smtClean="0"/>
-              <a:t>9/7/2019</a:t>
+              <a:t>9/10/2019</a:t>
             </a:fld>
             <a:endParaRPr lang="en-US" noProof="0" dirty="0"/>
           </a:p>
@@ -21257,7 +21257,7 @@
           <a:p>
             <a:fld id="{23D0A551-48C9-48F6-BF4E-DE641842128B}" type="datetime1">
               <a:rPr lang="en-US" noProof="0" smtClean="0"/>
-              <a:t>9/7/2019</a:t>
+              <a:t>9/10/2019</a:t>
             </a:fld>
             <a:endParaRPr lang="en-US" noProof="0" dirty="0"/>
           </a:p>
@@ -22237,7 +22237,7 @@
           <a:p>
             <a:fld id="{D8FBFFEB-7D66-4958-8CB8-D2B18C6A5A9B}" type="datetime1">
               <a:rPr lang="en-US" noProof="0" smtClean="0"/>
-              <a:t>9/7/2019</a:t>
+              <a:t>9/10/2019</a:t>
             </a:fld>
             <a:endParaRPr lang="en-US" noProof="0" dirty="0"/>
           </a:p>
@@ -23001,7 +23001,7 @@
           <a:p>
             <a:fld id="{011F8E8F-7A79-47A4-A23F-F3FD3E2A15F3}" type="datetime1">
               <a:rPr lang="en-US" noProof="0" smtClean="0"/>
-              <a:t>9/7/2019</a:t>
+              <a:t>9/10/2019</a:t>
             </a:fld>
             <a:endParaRPr lang="en-US" noProof="0" dirty="0"/>
           </a:p>
@@ -23984,7 +23984,7 @@
           <a:p>
             <a:fld id="{7B50B3BF-9C89-4723-AE4C-8AC5E6572CE2}" type="datetime1">
               <a:rPr lang="en-US" noProof="0" smtClean="0"/>
-              <a:t>9/7/2019</a:t>
+              <a:t>9/10/2019</a:t>
             </a:fld>
             <a:endParaRPr lang="en-US" noProof="0" dirty="0"/>
           </a:p>
@@ -24836,7 +24836,7 @@
           <a:p>
             <a:fld id="{3435D83B-8639-4535-9E2A-6F2776DA544B}" type="datetime1">
               <a:rPr lang="en-US" noProof="0" smtClean="0"/>
-              <a:t>9/7/2019</a:t>
+              <a:t>9/10/2019</a:t>
             </a:fld>
             <a:endParaRPr lang="en-US" noProof="0" dirty="0"/>
           </a:p>
@@ -31099,7 +31099,7 @@
                   <a:schemeClr val="bg1"/>
                 </a:solidFill>
               </a:rPr>
-              <a:t>9/7/2019</a:t>
+              <a:t>9/10/2019</a:t>
             </a:fld>
             <a:endParaRPr lang="en-US" dirty="0">
               <a:solidFill>
@@ -37951,6 +37951,80 @@
             <a:r>
               <a:rPr lang="en-US" dirty="0"/>
               <a:t>3%</a:t>
+            </a:r>
+            <a:endParaRPr lang="en-SG" dirty="0"/>
+          </a:p>
+        </p:txBody>
+      </p:sp>
+      <p:sp>
+        <p:nvSpPr>
+          <p:cNvPr id="16" name="Rectangle 15">
+            <a:extLst>
+              <a:ext uri="{FF2B5EF4-FFF2-40B4-BE49-F238E27FC236}">
+                <a16:creationId xmlns:a16="http://schemas.microsoft.com/office/drawing/2014/main" id="{F723F489-1C07-4BF0-AFC1-6CEFD32CB116}"/>
+              </a:ext>
+            </a:extLst>
+          </p:cNvPr>
+          <p:cNvSpPr/>
+          <p:nvPr/>
+        </p:nvSpPr>
+        <p:spPr>
+          <a:xfrm>
+            <a:off x="3460512" y="3172195"/>
+            <a:ext cx="301686" cy="2831544"/>
+          </a:xfrm>
+          <a:prstGeom prst="rect">
+            <a:avLst/>
+          </a:prstGeom>
+          <a:solidFill>
+            <a:schemeClr val="bg1"/>
+          </a:solidFill>
+        </p:spPr>
+        <p:txBody>
+          <a:bodyPr wrap="none">
+            <a:spAutoFit/>
+          </a:bodyPr>
+          <a:lstStyle/>
+          <a:p>
+            <a:r>
+              <a:rPr lang="en-US" dirty="0"/>
+              <a:t>5</a:t>
+            </a:r>
+          </a:p>
+          <a:p>
+            <a:endParaRPr lang="en-US" sz="2400" dirty="0"/>
+          </a:p>
+          <a:p>
+            <a:r>
+              <a:rPr lang="en-US" dirty="0"/>
+              <a:t>4</a:t>
+            </a:r>
+          </a:p>
+          <a:p>
+            <a:endParaRPr lang="en-US" sz="2000" dirty="0"/>
+          </a:p>
+          <a:p>
+            <a:r>
+              <a:rPr lang="en-US" dirty="0"/>
+              <a:t>3</a:t>
+            </a:r>
+          </a:p>
+          <a:p>
+            <a:endParaRPr lang="en-US" sz="2400" dirty="0"/>
+          </a:p>
+          <a:p>
+            <a:r>
+              <a:rPr lang="en-US" dirty="0"/>
+              <a:t>2</a:t>
+            </a:r>
+          </a:p>
+          <a:p>
+            <a:endParaRPr lang="en-US" sz="2000" dirty="0"/>
+          </a:p>
+          <a:p>
+            <a:r>
+              <a:rPr lang="en-US" dirty="0"/>
+              <a:t>1</a:t>
             </a:r>
             <a:endParaRPr lang="en-SG" dirty="0"/>
           </a:p>
@@ -41245,6 +41319,14 @@
 </file>
 
 <file path=customXml/item2.xml><?xml version="1.0" encoding="utf-8"?>
+<p:properties xmlns:p="http://schemas.microsoft.com/office/2006/metadata/properties" xmlns:xsi="http://www.w3.org/2001/XMLSchema-instance" xmlns:pc="http://schemas.microsoft.com/office/infopath/2007/PartnerControls">
+  <documentManagement>
+    <MediaServiceKeyPoints xmlns="71af3243-3dd4-4a8d-8c0d-dd76da1f02a5" xsi:nil="true"/>
+  </documentManagement>
+</p:properties>
+</file>
+
+<file path=customXml/item3.xml><?xml version="1.0" encoding="utf-8"?>
 <ct:contentTypeSchema xmlns:ct="http://schemas.microsoft.com/office/2006/metadata/contentType" xmlns:ma="http://schemas.microsoft.com/office/2006/metadata/properties/metaAttributes" ct:_="" ma:_="" ma:contentTypeName="Document" ma:contentTypeID="0x01010079F111ED35F8CC479449609E8A0923A6" ma:contentTypeVersion="11" ma:contentTypeDescription="Create a new document." ma:contentTypeScope="" ma:versionID="96291512c1ee715ab617f4c07df79fc1">
   <xsd:schema xmlns:xsd="http://www.w3.org/2001/XMLSchema" xmlns:xs="http://www.w3.org/2001/XMLSchema" xmlns:p="http://schemas.microsoft.com/office/2006/metadata/properties" xmlns:ns2="71af3243-3dd4-4a8d-8c0d-dd76da1f02a5" xmlns:ns3="16c05727-aa75-4e4a-9b5f-8a80a1165891" targetNamespace="http://schemas.microsoft.com/office/2006/metadata/properties" ma:root="true" ma:fieldsID="8256c27c40ca5c40ce1cf6c44f0205df" ns2:_="" ns3:_="">
     <xsd:import namespace="71af3243-3dd4-4a8d-8c0d-dd76da1f02a5"/>
@@ -41455,14 +41537,6 @@
 </ct:contentTypeSchema>
 </file>
 
-<file path=customXml/item3.xml><?xml version="1.0" encoding="utf-8"?>
-<p:properties xmlns:p="http://schemas.microsoft.com/office/2006/metadata/properties" xmlns:xsi="http://www.w3.org/2001/XMLSchema-instance" xmlns:pc="http://schemas.microsoft.com/office/infopath/2007/PartnerControls">
-  <documentManagement>
-    <MediaServiceKeyPoints xmlns="71af3243-3dd4-4a8d-8c0d-dd76da1f02a5" xsi:nil="true"/>
-  </documentManagement>
-</p:properties>
-</file>
-
 <file path=customXml/itemProps1.xml><?xml version="1.0" encoding="utf-8"?>
 <ds:datastoreItem xmlns:ds="http://schemas.openxmlformats.org/officeDocument/2006/customXml" ds:itemID="{E4BED453-9FB1-4982-A2CE-02B1DAF46AE3}">
   <ds:schemaRefs>
@@ -41472,6 +41546,23 @@
 </file>
 
 <file path=customXml/itemProps2.xml><?xml version="1.0" encoding="utf-8"?>
+<ds:datastoreItem xmlns:ds="http://schemas.openxmlformats.org/officeDocument/2006/customXml" ds:itemID="{2A17391F-2502-4070-B520-AB23643635E8}">
+  <ds:schemaRefs>
+    <ds:schemaRef ds:uri="http://schemas.microsoft.com/office/2006/documentManagement/types"/>
+    <ds:schemaRef ds:uri="http://schemas.microsoft.com/office/2006/metadata/properties"/>
+    <ds:schemaRef ds:uri="71af3243-3dd4-4a8d-8c0d-dd76da1f02a5"/>
+    <ds:schemaRef ds:uri="http://schemas.microsoft.com/office/infopath/2007/PartnerControls"/>
+    <ds:schemaRef ds:uri="http://schemas.openxmlformats.org/package/2006/metadata/core-properties"/>
+    <ds:schemaRef ds:uri="http://purl.org/dc/elements/1.1/"/>
+    <ds:schemaRef ds:uri="http://www.w3.org/XML/1998/namespace"/>
+    <ds:schemaRef ds:uri="16c05727-aa75-4e4a-9b5f-8a80a1165891"/>
+    <ds:schemaRef ds:uri="http://purl.org/dc/dcmitype/"/>
+    <ds:schemaRef ds:uri="http://purl.org/dc/terms/"/>
+  </ds:schemaRefs>
+</ds:datastoreItem>
+</file>
+
+<file path=customXml/itemProps3.xml><?xml version="1.0" encoding="utf-8"?>
 <ds:datastoreItem xmlns:ds="http://schemas.openxmlformats.org/officeDocument/2006/customXml" ds:itemID="{52A47430-C725-4DCD-9053-3498D56D74B0}">
   <ds:schemaRefs>
     <ds:schemaRef ds:uri="http://schemas.microsoft.com/office/2006/metadata/contentType"/>
@@ -41488,21 +41579,4 @@
     <ds:schemaRef ds:uri="http://schemas.microsoft.com/internal/obd"/>
   </ds:schemaRefs>
 </ds:datastoreItem>
-</file>
-
-<file path=customXml/itemProps3.xml><?xml version="1.0" encoding="utf-8"?>
-<ds:datastoreItem xmlns:ds="http://schemas.openxmlformats.org/officeDocument/2006/customXml" ds:itemID="{2A17391F-2502-4070-B520-AB23643635E8}">
-  <ds:schemaRefs>
-    <ds:schemaRef ds:uri="http://schemas.microsoft.com/office/2006/documentManagement/types"/>
-    <ds:schemaRef ds:uri="http://schemas.microsoft.com/office/2006/metadata/properties"/>
-    <ds:schemaRef ds:uri="71af3243-3dd4-4a8d-8c0d-dd76da1f02a5"/>
-    <ds:schemaRef ds:uri="http://schemas.microsoft.com/office/infopath/2007/PartnerControls"/>
-    <ds:schemaRef ds:uri="http://schemas.openxmlformats.org/package/2006/metadata/core-properties"/>
-    <ds:schemaRef ds:uri="http://purl.org/dc/elements/1.1/"/>
-    <ds:schemaRef ds:uri="http://www.w3.org/XML/1998/namespace"/>
-    <ds:schemaRef ds:uri="16c05727-aa75-4e4a-9b5f-8a80a1165891"/>
-    <ds:schemaRef ds:uri="http://purl.org/dc/dcmitype/"/>
-    <ds:schemaRef ds:uri="http://purl.org/dc/terms/"/>
-  </ds:schemaRefs>
-</ds:datastoreItem>
 </file>